--- a/doc/课件/8-第七节：服务端通讯与RxJS.pptx
+++ b/doc/课件/8-第七节：服务端通讯与RxJS.pptx
@@ -3110,7 +3110,7 @@
                 <a:srgbClr val="FFFFFF"/>
               </a:buClr>
               <a:buSzPct val="25000"/>
-              <a:buFont typeface="Roboto" panose="02000000000000000000"/>
+              <a:buFont typeface="Roboto"/>
               <a:buNone/>
             </a:pPr>
             <a:r>
@@ -3118,10 +3118,10 @@
                 <a:solidFill>
                   <a:srgbClr val="FFFFFF"/>
                 </a:solidFill>
-                <a:latin typeface="Roboto" panose="02000000000000000000"/>
-                <a:ea typeface="Roboto" panose="02000000000000000000"/>
-                <a:cs typeface="Roboto" panose="02000000000000000000"/>
-                <a:sym typeface="Roboto" panose="02000000000000000000"/>
+                <a:latin typeface="Roboto"/>
+                <a:ea typeface="Roboto"/>
+                <a:cs typeface="Roboto"/>
+                <a:sym typeface="Roboto"/>
               </a:rPr>
               <a:t>Proprietary + Confidential</a:t>
             </a:r>
@@ -3129,10 +3129,10 @@
               <a:solidFill>
                 <a:srgbClr val="FFFFFF"/>
               </a:solidFill>
-              <a:latin typeface="Roboto" panose="02000000000000000000"/>
-              <a:ea typeface="Roboto" panose="02000000000000000000"/>
-              <a:cs typeface="Roboto" panose="02000000000000000000"/>
-              <a:sym typeface="Roboto" panose="02000000000000000000"/>
+              <a:latin typeface="Roboto"/>
+              <a:ea typeface="Roboto"/>
+              <a:cs typeface="Roboto"/>
+              <a:sym typeface="Roboto"/>
             </a:endParaRPr>
           </a:p>
         </p:txBody>
@@ -3229,16 +3229,16 @@
               <a:buClr>
                 <a:schemeClr val="accent2"/>
               </a:buClr>
-              <a:buFont typeface="Roboto" panose="02000000000000000000"/>
+              <a:buFont typeface="Roboto"/>
               <a:buNone/>
               <a:defRPr sz="3600" b="0" i="0" u="none" strike="noStrike" cap="none">
                 <a:solidFill>
                   <a:srgbClr val="FFFFFF"/>
                 </a:solidFill>
-                <a:latin typeface="Roboto" panose="02000000000000000000"/>
-                <a:ea typeface="Roboto" panose="02000000000000000000"/>
-                <a:cs typeface="Roboto" panose="02000000000000000000"/>
-                <a:sym typeface="Roboto" panose="02000000000000000000"/>
+                <a:latin typeface="Roboto"/>
+                <a:ea typeface="Roboto"/>
+                <a:cs typeface="Roboto"/>
+                <a:sym typeface="Roboto"/>
               </a:defRPr>
             </a:lvl1pPr>
             <a:lvl2pPr lvl="1" indent="0" algn="ctr" rtl="0">
@@ -4696,16 +4696,16 @@
               <a:buClr>
                 <a:schemeClr val="accent2"/>
               </a:buClr>
-              <a:buFont typeface="Roboto" panose="02000000000000000000"/>
+              <a:buFont typeface="Roboto"/>
               <a:buNone/>
               <a:defRPr sz="2600" b="0" i="0" u="none" strike="noStrike" cap="none">
                 <a:solidFill>
                   <a:srgbClr val="666666"/>
                 </a:solidFill>
-                <a:latin typeface="Roboto" panose="02000000000000000000"/>
-                <a:ea typeface="Roboto" panose="02000000000000000000"/>
-                <a:cs typeface="Roboto" panose="02000000000000000000"/>
-                <a:sym typeface="Roboto" panose="02000000000000000000"/>
+                <a:latin typeface="Roboto"/>
+                <a:ea typeface="Roboto"/>
+                <a:cs typeface="Roboto"/>
+                <a:sym typeface="Roboto"/>
               </a:defRPr>
             </a:lvl1pPr>
             <a:lvl2pPr lvl="1" indent="0" rtl="0">
@@ -4976,16 +4976,16 @@
               <a:buClr>
                 <a:schemeClr val="accent2"/>
               </a:buClr>
-              <a:buFont typeface="Roboto" panose="02000000000000000000"/>
+              <a:buFont typeface="Roboto"/>
               <a:buNone/>
               <a:defRPr sz="2600" b="0" i="0" u="none" strike="noStrike" cap="none">
                 <a:solidFill>
                   <a:srgbClr val="666666"/>
                 </a:solidFill>
-                <a:latin typeface="Roboto" panose="02000000000000000000"/>
-                <a:ea typeface="Roboto" panose="02000000000000000000"/>
-                <a:cs typeface="Roboto" panose="02000000000000000000"/>
-                <a:sym typeface="Roboto" panose="02000000000000000000"/>
+                <a:latin typeface="Roboto"/>
+                <a:ea typeface="Roboto"/>
+                <a:cs typeface="Roboto"/>
+                <a:sym typeface="Roboto"/>
               </a:defRPr>
             </a:lvl1pPr>
             <a:lvl2pPr lvl="1" indent="0" rtl="0">
@@ -4995,16 +4995,16 @@
               <a:buClr>
                 <a:schemeClr val="accent2"/>
               </a:buClr>
-              <a:buFont typeface="Roboto" panose="02000000000000000000"/>
+              <a:buFont typeface="Roboto"/>
               <a:buNone/>
               <a:defRPr sz="3600">
                 <a:solidFill>
                   <a:schemeClr val="accent2"/>
                 </a:solidFill>
-                <a:latin typeface="Roboto" panose="02000000000000000000"/>
-                <a:ea typeface="Roboto" panose="02000000000000000000"/>
-                <a:cs typeface="Roboto" panose="02000000000000000000"/>
-                <a:sym typeface="Roboto" panose="02000000000000000000"/>
+                <a:latin typeface="Roboto"/>
+                <a:ea typeface="Roboto"/>
+                <a:cs typeface="Roboto"/>
+                <a:sym typeface="Roboto"/>
               </a:defRPr>
             </a:lvl2pPr>
             <a:lvl3pPr lvl="2" indent="0" rtl="0">
@@ -5014,16 +5014,16 @@
               <a:buClr>
                 <a:schemeClr val="accent2"/>
               </a:buClr>
-              <a:buFont typeface="Roboto" panose="02000000000000000000"/>
+              <a:buFont typeface="Roboto"/>
               <a:buNone/>
               <a:defRPr sz="3600">
                 <a:solidFill>
                   <a:schemeClr val="accent2"/>
                 </a:solidFill>
-                <a:latin typeface="Roboto" panose="02000000000000000000"/>
-                <a:ea typeface="Roboto" panose="02000000000000000000"/>
-                <a:cs typeface="Roboto" panose="02000000000000000000"/>
-                <a:sym typeface="Roboto" panose="02000000000000000000"/>
+                <a:latin typeface="Roboto"/>
+                <a:ea typeface="Roboto"/>
+                <a:cs typeface="Roboto"/>
+                <a:sym typeface="Roboto"/>
               </a:defRPr>
             </a:lvl3pPr>
             <a:lvl4pPr lvl="3" indent="0" rtl="0">
@@ -5033,16 +5033,16 @@
               <a:buClr>
                 <a:schemeClr val="accent2"/>
               </a:buClr>
-              <a:buFont typeface="Roboto" panose="02000000000000000000"/>
+              <a:buFont typeface="Roboto"/>
               <a:buNone/>
               <a:defRPr sz="3600">
                 <a:solidFill>
                   <a:schemeClr val="accent2"/>
                 </a:solidFill>
-                <a:latin typeface="Roboto" panose="02000000000000000000"/>
-                <a:ea typeface="Roboto" panose="02000000000000000000"/>
-                <a:cs typeface="Roboto" panose="02000000000000000000"/>
-                <a:sym typeface="Roboto" panose="02000000000000000000"/>
+                <a:latin typeface="Roboto"/>
+                <a:ea typeface="Roboto"/>
+                <a:cs typeface="Roboto"/>
+                <a:sym typeface="Roboto"/>
               </a:defRPr>
             </a:lvl4pPr>
             <a:lvl5pPr lvl="4" indent="0" rtl="0">
@@ -5052,16 +5052,16 @@
               <a:buClr>
                 <a:schemeClr val="accent2"/>
               </a:buClr>
-              <a:buFont typeface="Roboto" panose="02000000000000000000"/>
+              <a:buFont typeface="Roboto"/>
               <a:buNone/>
               <a:defRPr sz="3600">
                 <a:solidFill>
                   <a:schemeClr val="accent2"/>
                 </a:solidFill>
-                <a:latin typeface="Roboto" panose="02000000000000000000"/>
-                <a:ea typeface="Roboto" panose="02000000000000000000"/>
-                <a:cs typeface="Roboto" panose="02000000000000000000"/>
-                <a:sym typeface="Roboto" panose="02000000000000000000"/>
+                <a:latin typeface="Roboto"/>
+                <a:ea typeface="Roboto"/>
+                <a:cs typeface="Roboto"/>
+                <a:sym typeface="Roboto"/>
               </a:defRPr>
             </a:lvl5pPr>
             <a:lvl6pPr lvl="5" indent="0" rtl="0">
@@ -5071,16 +5071,16 @@
               <a:buClr>
                 <a:schemeClr val="accent2"/>
               </a:buClr>
-              <a:buFont typeface="Roboto" panose="02000000000000000000"/>
+              <a:buFont typeface="Roboto"/>
               <a:buNone/>
               <a:defRPr sz="3600">
                 <a:solidFill>
                   <a:schemeClr val="accent2"/>
                 </a:solidFill>
-                <a:latin typeface="Roboto" panose="02000000000000000000"/>
-                <a:ea typeface="Roboto" panose="02000000000000000000"/>
-                <a:cs typeface="Roboto" panose="02000000000000000000"/>
-                <a:sym typeface="Roboto" panose="02000000000000000000"/>
+                <a:latin typeface="Roboto"/>
+                <a:ea typeface="Roboto"/>
+                <a:cs typeface="Roboto"/>
+                <a:sym typeface="Roboto"/>
               </a:defRPr>
             </a:lvl6pPr>
             <a:lvl7pPr lvl="6" indent="0" rtl="0">
@@ -5090,16 +5090,16 @@
               <a:buClr>
                 <a:schemeClr val="accent2"/>
               </a:buClr>
-              <a:buFont typeface="Roboto" panose="02000000000000000000"/>
+              <a:buFont typeface="Roboto"/>
               <a:buNone/>
               <a:defRPr sz="3600">
                 <a:solidFill>
                   <a:schemeClr val="accent2"/>
                 </a:solidFill>
-                <a:latin typeface="Roboto" panose="02000000000000000000"/>
-                <a:ea typeface="Roboto" panose="02000000000000000000"/>
-                <a:cs typeface="Roboto" panose="02000000000000000000"/>
-                <a:sym typeface="Roboto" panose="02000000000000000000"/>
+                <a:latin typeface="Roboto"/>
+                <a:ea typeface="Roboto"/>
+                <a:cs typeface="Roboto"/>
+                <a:sym typeface="Roboto"/>
               </a:defRPr>
             </a:lvl7pPr>
             <a:lvl8pPr lvl="7" indent="0" rtl="0">
@@ -5109,16 +5109,16 @@
               <a:buClr>
                 <a:schemeClr val="accent2"/>
               </a:buClr>
-              <a:buFont typeface="Roboto" panose="02000000000000000000"/>
+              <a:buFont typeface="Roboto"/>
               <a:buNone/>
               <a:defRPr sz="3600">
                 <a:solidFill>
                   <a:schemeClr val="accent2"/>
                 </a:solidFill>
-                <a:latin typeface="Roboto" panose="02000000000000000000"/>
-                <a:ea typeface="Roboto" panose="02000000000000000000"/>
-                <a:cs typeface="Roboto" panose="02000000000000000000"/>
-                <a:sym typeface="Roboto" panose="02000000000000000000"/>
+                <a:latin typeface="Roboto"/>
+                <a:ea typeface="Roboto"/>
+                <a:cs typeface="Roboto"/>
+                <a:sym typeface="Roboto"/>
               </a:defRPr>
             </a:lvl8pPr>
             <a:lvl9pPr lvl="8" indent="0" rtl="0">
@@ -5128,16 +5128,16 @@
               <a:buClr>
                 <a:schemeClr val="accent2"/>
               </a:buClr>
-              <a:buFont typeface="Roboto" panose="02000000000000000000"/>
+              <a:buFont typeface="Roboto"/>
               <a:buNone/>
               <a:defRPr sz="3600">
                 <a:solidFill>
                   <a:schemeClr val="accent2"/>
                 </a:solidFill>
-                <a:latin typeface="Roboto" panose="02000000000000000000"/>
-                <a:ea typeface="Roboto" panose="02000000000000000000"/>
-                <a:cs typeface="Roboto" panose="02000000000000000000"/>
-                <a:sym typeface="Roboto" panose="02000000000000000000"/>
+                <a:latin typeface="Roboto"/>
+                <a:ea typeface="Roboto"/>
+                <a:cs typeface="Roboto"/>
+                <a:sym typeface="Roboto"/>
               </a:defRPr>
             </a:lvl9pPr>
           </a:lstStyle>
@@ -5288,16 +5288,16 @@
               <a:buClr>
                 <a:schemeClr val="accent2"/>
               </a:buClr>
-              <a:buFont typeface="Roboto" panose="02000000000000000000"/>
+              <a:buFont typeface="Roboto"/>
               <a:buNone/>
               <a:defRPr sz="2600" b="0" i="0" u="none" strike="noStrike" cap="none">
                 <a:solidFill>
                   <a:srgbClr val="666666"/>
                 </a:solidFill>
-                <a:latin typeface="Roboto" panose="02000000000000000000"/>
-                <a:ea typeface="Roboto" panose="02000000000000000000"/>
-                <a:cs typeface="Roboto" panose="02000000000000000000"/>
-                <a:sym typeface="Roboto" panose="02000000000000000000"/>
+                <a:latin typeface="Roboto"/>
+                <a:ea typeface="Roboto"/>
+                <a:cs typeface="Roboto"/>
+                <a:sym typeface="Roboto"/>
               </a:defRPr>
             </a:lvl1pPr>
             <a:lvl2pPr lvl="1" indent="0" rtl="0">
@@ -5568,16 +5568,16 @@
               <a:buClr>
                 <a:schemeClr val="accent2"/>
               </a:buClr>
-              <a:buFont typeface="Roboto" panose="02000000000000000000"/>
+              <a:buFont typeface="Roboto"/>
               <a:buNone/>
               <a:defRPr sz="2600" b="0" i="0" u="none" strike="noStrike" cap="none">
                 <a:solidFill>
                   <a:srgbClr val="666666"/>
                 </a:solidFill>
-                <a:latin typeface="Roboto" panose="02000000000000000000"/>
-                <a:ea typeface="Roboto" panose="02000000000000000000"/>
-                <a:cs typeface="Roboto" panose="02000000000000000000"/>
-                <a:sym typeface="Roboto" panose="02000000000000000000"/>
+                <a:latin typeface="Roboto"/>
+                <a:ea typeface="Roboto"/>
+                <a:cs typeface="Roboto"/>
+                <a:sym typeface="Roboto"/>
               </a:defRPr>
             </a:lvl1pPr>
             <a:lvl2pPr lvl="1" indent="0" rtl="0">
@@ -5941,16 +5941,16 @@
               <a:buClr>
                 <a:schemeClr val="accent2"/>
               </a:buClr>
-              <a:buFont typeface="Roboto" panose="02000000000000000000"/>
+              <a:buFont typeface="Roboto"/>
               <a:buNone/>
               <a:defRPr sz="2600" b="0" i="0" u="none" strike="noStrike" cap="none">
                 <a:solidFill>
                   <a:srgbClr val="666666"/>
                 </a:solidFill>
-                <a:latin typeface="Roboto" panose="02000000000000000000"/>
-                <a:ea typeface="Roboto" panose="02000000000000000000"/>
-                <a:cs typeface="Roboto" panose="02000000000000000000"/>
-                <a:sym typeface="Roboto" panose="02000000000000000000"/>
+                <a:latin typeface="Roboto"/>
+                <a:ea typeface="Roboto"/>
+                <a:cs typeface="Roboto"/>
+                <a:sym typeface="Roboto"/>
               </a:defRPr>
             </a:lvl1pPr>
             <a:lvl2pPr lvl="1" indent="0" rtl="0">
@@ -6247,16 +6247,16 @@
               <a:buClr>
                 <a:schemeClr val="accent2"/>
               </a:buClr>
-              <a:buFont typeface="Roboto" panose="02000000000000000000"/>
+              <a:buFont typeface="Roboto"/>
               <a:buNone/>
               <a:defRPr sz="2600" b="0" i="0" u="none" strike="noStrike" cap="none">
                 <a:solidFill>
                   <a:srgbClr val="666666"/>
                 </a:solidFill>
-                <a:latin typeface="Roboto" panose="02000000000000000000"/>
-                <a:ea typeface="Roboto" panose="02000000000000000000"/>
-                <a:cs typeface="Roboto" panose="02000000000000000000"/>
-                <a:sym typeface="Roboto" panose="02000000000000000000"/>
+                <a:latin typeface="Roboto"/>
+                <a:ea typeface="Roboto"/>
+                <a:cs typeface="Roboto"/>
+                <a:sym typeface="Roboto"/>
               </a:defRPr>
             </a:lvl1pPr>
             <a:lvl2pPr lvl="1" indent="0" rtl="0">
@@ -6421,16 +6421,16 @@
                 <a:schemeClr val="accent1"/>
               </a:buClr>
               <a:buSzPct val="100000"/>
-              <a:buFont typeface="Roboto" panose="02000000000000000000"/>
+              <a:buFont typeface="Roboto"/>
               <a:buChar char="●"/>
               <a:defRPr sz="1400" b="0" i="0" u="none" strike="noStrike" cap="none">
                 <a:solidFill>
                   <a:schemeClr val="accent1"/>
                 </a:solidFill>
-                <a:latin typeface="Roboto" panose="02000000000000000000"/>
-                <a:ea typeface="Roboto" panose="02000000000000000000"/>
-                <a:cs typeface="Roboto" panose="02000000000000000000"/>
-                <a:sym typeface="Roboto" panose="02000000000000000000"/>
+                <a:latin typeface="Roboto"/>
+                <a:ea typeface="Roboto"/>
+                <a:cs typeface="Roboto"/>
+                <a:sym typeface="Roboto"/>
               </a:defRPr>
             </a:lvl1pPr>
             <a:lvl2pPr marL="457200" marR="0" lvl="1" indent="177800" algn="l" rtl="0">
@@ -6447,16 +6447,16 @@
                 <a:schemeClr val="accent1"/>
               </a:buClr>
               <a:buSzPct val="100000"/>
-              <a:buFont typeface="Roboto" panose="02000000000000000000"/>
+              <a:buFont typeface="Roboto"/>
               <a:buChar char="○"/>
               <a:defRPr sz="1400" b="0" i="0" u="none" strike="noStrike" cap="none">
                 <a:solidFill>
                   <a:schemeClr val="accent1"/>
                 </a:solidFill>
-                <a:latin typeface="Roboto" panose="02000000000000000000"/>
-                <a:ea typeface="Roboto" panose="02000000000000000000"/>
-                <a:cs typeface="Roboto" panose="02000000000000000000"/>
-                <a:sym typeface="Roboto" panose="02000000000000000000"/>
+                <a:latin typeface="Roboto"/>
+                <a:ea typeface="Roboto"/>
+                <a:cs typeface="Roboto"/>
+                <a:sym typeface="Roboto"/>
               </a:defRPr>
             </a:lvl2pPr>
             <a:lvl3pPr marL="914400" marR="0" lvl="2" indent="177800" algn="l" rtl="0">
@@ -6473,16 +6473,16 @@
                 <a:schemeClr val="accent1"/>
               </a:buClr>
               <a:buSzPct val="100000"/>
-              <a:buFont typeface="Roboto" panose="02000000000000000000"/>
+              <a:buFont typeface="Roboto"/>
               <a:buChar char="■"/>
               <a:defRPr sz="1400" b="0" i="0" u="none" strike="noStrike" cap="none">
                 <a:solidFill>
                   <a:schemeClr val="accent1"/>
                 </a:solidFill>
-                <a:latin typeface="Roboto" panose="02000000000000000000"/>
-                <a:ea typeface="Roboto" panose="02000000000000000000"/>
-                <a:cs typeface="Roboto" panose="02000000000000000000"/>
-                <a:sym typeface="Roboto" panose="02000000000000000000"/>
+                <a:latin typeface="Roboto"/>
+                <a:ea typeface="Roboto"/>
+                <a:cs typeface="Roboto"/>
+                <a:sym typeface="Roboto"/>
               </a:defRPr>
             </a:lvl3pPr>
             <a:lvl4pPr marL="1371600" marR="0" lvl="3" indent="177800" algn="l" rtl="0">
@@ -6499,16 +6499,16 @@
                 <a:schemeClr val="accent1"/>
               </a:buClr>
               <a:buSzPct val="100000"/>
-              <a:buFont typeface="Roboto" panose="02000000000000000000"/>
+              <a:buFont typeface="Roboto"/>
               <a:buChar char="●"/>
               <a:defRPr sz="1400" b="0" i="0" u="none" strike="noStrike" cap="none">
                 <a:solidFill>
                   <a:schemeClr val="accent1"/>
                 </a:solidFill>
-                <a:latin typeface="Roboto" panose="02000000000000000000"/>
-                <a:ea typeface="Roboto" panose="02000000000000000000"/>
-                <a:cs typeface="Roboto" panose="02000000000000000000"/>
-                <a:sym typeface="Roboto" panose="02000000000000000000"/>
+                <a:latin typeface="Roboto"/>
+                <a:ea typeface="Roboto"/>
+                <a:cs typeface="Roboto"/>
+                <a:sym typeface="Roboto"/>
               </a:defRPr>
             </a:lvl4pPr>
             <a:lvl5pPr marL="1828800" marR="0" lvl="4" indent="177800" algn="l" rtl="0">
@@ -6525,16 +6525,16 @@
                 <a:schemeClr val="accent1"/>
               </a:buClr>
               <a:buSzPct val="100000"/>
-              <a:buFont typeface="Roboto" panose="02000000000000000000"/>
+              <a:buFont typeface="Roboto"/>
               <a:buChar char="○"/>
               <a:defRPr sz="1400" b="0" i="0" u="none" strike="noStrike" cap="none">
                 <a:solidFill>
                   <a:schemeClr val="accent1"/>
                 </a:solidFill>
-                <a:latin typeface="Roboto" panose="02000000000000000000"/>
-                <a:ea typeface="Roboto" panose="02000000000000000000"/>
-                <a:cs typeface="Roboto" panose="02000000000000000000"/>
-                <a:sym typeface="Roboto" panose="02000000000000000000"/>
+                <a:latin typeface="Roboto"/>
+                <a:ea typeface="Roboto"/>
+                <a:cs typeface="Roboto"/>
+                <a:sym typeface="Roboto"/>
               </a:defRPr>
             </a:lvl5pPr>
             <a:lvl6pPr marL="2286000" marR="0" lvl="5" indent="177800" algn="l" rtl="0">
@@ -6551,16 +6551,16 @@
                 <a:schemeClr val="accent1"/>
               </a:buClr>
               <a:buSzPct val="100000"/>
-              <a:buFont typeface="Roboto" panose="02000000000000000000"/>
+              <a:buFont typeface="Roboto"/>
               <a:buChar char="■"/>
               <a:defRPr sz="1400" b="0" i="0" u="none" strike="noStrike" cap="none">
                 <a:solidFill>
                   <a:schemeClr val="accent1"/>
                 </a:solidFill>
-                <a:latin typeface="Roboto" panose="02000000000000000000"/>
-                <a:ea typeface="Roboto" panose="02000000000000000000"/>
-                <a:cs typeface="Roboto" panose="02000000000000000000"/>
-                <a:sym typeface="Roboto" panose="02000000000000000000"/>
+                <a:latin typeface="Roboto"/>
+                <a:ea typeface="Roboto"/>
+                <a:cs typeface="Roboto"/>
+                <a:sym typeface="Roboto"/>
               </a:defRPr>
             </a:lvl6pPr>
             <a:lvl7pPr marL="2743200" marR="0" lvl="6" indent="177800" algn="l" rtl="0">
@@ -6577,16 +6577,16 @@
                 <a:schemeClr val="accent1"/>
               </a:buClr>
               <a:buSzPct val="100000"/>
-              <a:buFont typeface="Roboto" panose="02000000000000000000"/>
+              <a:buFont typeface="Roboto"/>
               <a:buChar char="●"/>
               <a:defRPr sz="1400" b="0" i="0" u="none" strike="noStrike" cap="none">
                 <a:solidFill>
                   <a:schemeClr val="accent1"/>
                 </a:solidFill>
-                <a:latin typeface="Roboto" panose="02000000000000000000"/>
-                <a:ea typeface="Roboto" panose="02000000000000000000"/>
-                <a:cs typeface="Roboto" panose="02000000000000000000"/>
-                <a:sym typeface="Roboto" panose="02000000000000000000"/>
+                <a:latin typeface="Roboto"/>
+                <a:ea typeface="Roboto"/>
+                <a:cs typeface="Roboto"/>
+                <a:sym typeface="Roboto"/>
               </a:defRPr>
             </a:lvl7pPr>
             <a:lvl8pPr marL="3200400" marR="0" lvl="7" indent="177800" algn="l" rtl="0">
@@ -6603,16 +6603,16 @@
                 <a:schemeClr val="accent1"/>
               </a:buClr>
               <a:buSzPct val="100000"/>
-              <a:buFont typeface="Roboto" panose="02000000000000000000"/>
+              <a:buFont typeface="Roboto"/>
               <a:buChar char="○"/>
               <a:defRPr sz="1400" b="0" i="0" u="none" strike="noStrike" cap="none">
                 <a:solidFill>
                   <a:schemeClr val="accent1"/>
                 </a:solidFill>
-                <a:latin typeface="Roboto" panose="02000000000000000000"/>
-                <a:ea typeface="Roboto" panose="02000000000000000000"/>
-                <a:cs typeface="Roboto" panose="02000000000000000000"/>
-                <a:sym typeface="Roboto" panose="02000000000000000000"/>
+                <a:latin typeface="Roboto"/>
+                <a:ea typeface="Roboto"/>
+                <a:cs typeface="Roboto"/>
+                <a:sym typeface="Roboto"/>
               </a:defRPr>
             </a:lvl8pPr>
             <a:lvl9pPr marL="3657600" marR="0" lvl="8" indent="177800" algn="l" rtl="0">
@@ -6629,16 +6629,16 @@
                 <a:schemeClr val="accent1"/>
               </a:buClr>
               <a:buSzPct val="100000"/>
-              <a:buFont typeface="Roboto" panose="02000000000000000000"/>
+              <a:buFont typeface="Roboto"/>
               <a:buChar char="■"/>
               <a:defRPr sz="1400" b="0" i="0" u="none" strike="noStrike" cap="none">
                 <a:solidFill>
                   <a:schemeClr val="accent1"/>
                 </a:solidFill>
-                <a:latin typeface="Roboto" panose="02000000000000000000"/>
-                <a:ea typeface="Roboto" panose="02000000000000000000"/>
-                <a:cs typeface="Roboto" panose="02000000000000000000"/>
-                <a:sym typeface="Roboto" panose="02000000000000000000"/>
+                <a:latin typeface="Roboto"/>
+                <a:ea typeface="Roboto"/>
+                <a:cs typeface="Roboto"/>
+                <a:sym typeface="Roboto"/>
               </a:defRPr>
             </a:lvl9pPr>
           </a:lstStyle>
@@ -6789,16 +6789,16 @@
               <a:buClr>
                 <a:schemeClr val="accent2"/>
               </a:buClr>
-              <a:buFont typeface="Roboto" panose="02000000000000000000"/>
+              <a:buFont typeface="Roboto"/>
               <a:buNone/>
               <a:defRPr sz="2600" b="0" i="0" u="none" strike="noStrike" cap="none">
                 <a:solidFill>
                   <a:srgbClr val="666666"/>
                 </a:solidFill>
-                <a:latin typeface="Roboto" panose="02000000000000000000"/>
-                <a:ea typeface="Roboto" panose="02000000000000000000"/>
-                <a:cs typeface="Roboto" panose="02000000000000000000"/>
-                <a:sym typeface="Roboto" panose="02000000000000000000"/>
+                <a:latin typeface="Roboto"/>
+                <a:ea typeface="Roboto"/>
+                <a:cs typeface="Roboto"/>
+                <a:sym typeface="Roboto"/>
               </a:defRPr>
             </a:lvl1pPr>
             <a:lvl2pPr lvl="1" indent="0" rtl="0">
@@ -6962,16 +6962,16 @@
               <a:buClr>
                 <a:schemeClr val="accent1"/>
               </a:buClr>
-              <a:buFont typeface="Roboto" panose="02000000000000000000"/>
+              <a:buFont typeface="Roboto"/>
               <a:buNone/>
               <a:defRPr sz="1200" b="0" i="0" u="none" strike="noStrike" cap="none">
                 <a:solidFill>
                   <a:schemeClr val="accent1"/>
                 </a:solidFill>
-                <a:latin typeface="Roboto" panose="02000000000000000000"/>
-                <a:ea typeface="Roboto" panose="02000000000000000000"/>
-                <a:cs typeface="Roboto" panose="02000000000000000000"/>
-                <a:sym typeface="Roboto" panose="02000000000000000000"/>
+                <a:latin typeface="Roboto"/>
+                <a:ea typeface="Roboto"/>
+                <a:cs typeface="Roboto"/>
+                <a:sym typeface="Roboto"/>
               </a:defRPr>
             </a:lvl1pPr>
             <a:lvl2pPr marL="457200" marR="0" lvl="1" indent="0" algn="l" rtl="0">
@@ -6987,16 +6987,16 @@
               <a:buClr>
                 <a:schemeClr val="accent1"/>
               </a:buClr>
-              <a:buFont typeface="Roboto" panose="02000000000000000000"/>
+              <a:buFont typeface="Roboto"/>
               <a:buNone/>
               <a:defRPr sz="1200" b="0" i="0" u="none" strike="noStrike" cap="none">
                 <a:solidFill>
                   <a:schemeClr val="accent1"/>
                 </a:solidFill>
-                <a:latin typeface="Roboto" panose="02000000000000000000"/>
-                <a:ea typeface="Roboto" panose="02000000000000000000"/>
-                <a:cs typeface="Roboto" panose="02000000000000000000"/>
-                <a:sym typeface="Roboto" panose="02000000000000000000"/>
+                <a:latin typeface="Roboto"/>
+                <a:ea typeface="Roboto"/>
+                <a:cs typeface="Roboto"/>
+                <a:sym typeface="Roboto"/>
               </a:defRPr>
             </a:lvl2pPr>
             <a:lvl3pPr marL="914400" marR="0" lvl="2" indent="0" algn="l" rtl="0">
@@ -7012,16 +7012,16 @@
               <a:buClr>
                 <a:schemeClr val="accent1"/>
               </a:buClr>
-              <a:buFont typeface="Roboto" panose="02000000000000000000"/>
+              <a:buFont typeface="Roboto"/>
               <a:buNone/>
               <a:defRPr sz="1200" b="0" i="0" u="none" strike="noStrike" cap="none">
                 <a:solidFill>
                   <a:schemeClr val="accent1"/>
                 </a:solidFill>
-                <a:latin typeface="Roboto" panose="02000000000000000000"/>
-                <a:ea typeface="Roboto" panose="02000000000000000000"/>
-                <a:cs typeface="Roboto" panose="02000000000000000000"/>
-                <a:sym typeface="Roboto" panose="02000000000000000000"/>
+                <a:latin typeface="Roboto"/>
+                <a:ea typeface="Roboto"/>
+                <a:cs typeface="Roboto"/>
+                <a:sym typeface="Roboto"/>
               </a:defRPr>
             </a:lvl3pPr>
             <a:lvl4pPr marL="1371600" marR="0" lvl="3" indent="0" algn="l" rtl="0">
@@ -7037,16 +7037,16 @@
               <a:buClr>
                 <a:schemeClr val="accent1"/>
               </a:buClr>
-              <a:buFont typeface="Roboto" panose="02000000000000000000"/>
+              <a:buFont typeface="Roboto"/>
               <a:buNone/>
               <a:defRPr sz="1200" b="0" i="0" u="none" strike="noStrike" cap="none">
                 <a:solidFill>
                   <a:schemeClr val="accent1"/>
                 </a:solidFill>
-                <a:latin typeface="Roboto" panose="02000000000000000000"/>
-                <a:ea typeface="Roboto" panose="02000000000000000000"/>
-                <a:cs typeface="Roboto" panose="02000000000000000000"/>
-                <a:sym typeface="Roboto" panose="02000000000000000000"/>
+                <a:latin typeface="Roboto"/>
+                <a:ea typeface="Roboto"/>
+                <a:cs typeface="Roboto"/>
+                <a:sym typeface="Roboto"/>
               </a:defRPr>
             </a:lvl4pPr>
             <a:lvl5pPr marL="1828800" marR="0" lvl="4" indent="0" algn="l" rtl="0">
@@ -7062,16 +7062,16 @@
               <a:buClr>
                 <a:schemeClr val="accent1"/>
               </a:buClr>
-              <a:buFont typeface="Roboto" panose="02000000000000000000"/>
+              <a:buFont typeface="Roboto"/>
               <a:buNone/>
               <a:defRPr sz="1200" b="0" i="0" u="none" strike="noStrike" cap="none">
                 <a:solidFill>
                   <a:schemeClr val="accent1"/>
                 </a:solidFill>
-                <a:latin typeface="Roboto" panose="02000000000000000000"/>
-                <a:ea typeface="Roboto" panose="02000000000000000000"/>
-                <a:cs typeface="Roboto" panose="02000000000000000000"/>
-                <a:sym typeface="Roboto" panose="02000000000000000000"/>
+                <a:latin typeface="Roboto"/>
+                <a:ea typeface="Roboto"/>
+                <a:cs typeface="Roboto"/>
+                <a:sym typeface="Roboto"/>
               </a:defRPr>
             </a:lvl5pPr>
             <a:lvl6pPr marL="2286000" marR="0" lvl="5" indent="0" algn="l" rtl="0">
@@ -7087,16 +7087,16 @@
               <a:buClr>
                 <a:schemeClr val="accent1"/>
               </a:buClr>
-              <a:buFont typeface="Roboto" panose="02000000000000000000"/>
+              <a:buFont typeface="Roboto"/>
               <a:buNone/>
               <a:defRPr sz="1200" b="0" i="0" u="none" strike="noStrike" cap="none">
                 <a:solidFill>
                   <a:schemeClr val="accent1"/>
                 </a:solidFill>
-                <a:latin typeface="Roboto" panose="02000000000000000000"/>
-                <a:ea typeface="Roboto" panose="02000000000000000000"/>
-                <a:cs typeface="Roboto" panose="02000000000000000000"/>
-                <a:sym typeface="Roboto" panose="02000000000000000000"/>
+                <a:latin typeface="Roboto"/>
+                <a:ea typeface="Roboto"/>
+                <a:cs typeface="Roboto"/>
+                <a:sym typeface="Roboto"/>
               </a:defRPr>
             </a:lvl6pPr>
             <a:lvl7pPr marL="2743200" marR="0" lvl="6" indent="0" algn="l" rtl="0">
@@ -7112,16 +7112,16 @@
               <a:buClr>
                 <a:schemeClr val="accent1"/>
               </a:buClr>
-              <a:buFont typeface="Roboto" panose="02000000000000000000"/>
+              <a:buFont typeface="Roboto"/>
               <a:buNone/>
               <a:defRPr sz="1200" b="0" i="0" u="none" strike="noStrike" cap="none">
                 <a:solidFill>
                   <a:schemeClr val="accent1"/>
                 </a:solidFill>
-                <a:latin typeface="Roboto" panose="02000000000000000000"/>
-                <a:ea typeface="Roboto" panose="02000000000000000000"/>
-                <a:cs typeface="Roboto" panose="02000000000000000000"/>
-                <a:sym typeface="Roboto" panose="02000000000000000000"/>
+                <a:latin typeface="Roboto"/>
+                <a:ea typeface="Roboto"/>
+                <a:cs typeface="Roboto"/>
+                <a:sym typeface="Roboto"/>
               </a:defRPr>
             </a:lvl7pPr>
             <a:lvl8pPr marL="3200400" marR="0" lvl="7" indent="0" algn="l" rtl="0">
@@ -7137,16 +7137,16 @@
               <a:buClr>
                 <a:schemeClr val="accent1"/>
               </a:buClr>
-              <a:buFont typeface="Roboto" panose="02000000000000000000"/>
+              <a:buFont typeface="Roboto"/>
               <a:buNone/>
               <a:defRPr sz="1200" b="0" i="0" u="none" strike="noStrike" cap="none">
                 <a:solidFill>
                   <a:schemeClr val="accent1"/>
                 </a:solidFill>
-                <a:latin typeface="Roboto" panose="02000000000000000000"/>
-                <a:ea typeface="Roboto" panose="02000000000000000000"/>
-                <a:cs typeface="Roboto" panose="02000000000000000000"/>
-                <a:sym typeface="Roboto" panose="02000000000000000000"/>
+                <a:latin typeface="Roboto"/>
+                <a:ea typeface="Roboto"/>
+                <a:cs typeface="Roboto"/>
+                <a:sym typeface="Roboto"/>
               </a:defRPr>
             </a:lvl8pPr>
             <a:lvl9pPr marL="3657600" marR="0" lvl="8" indent="0" algn="l" rtl="0">
@@ -7162,16 +7162,16 @@
               <a:buClr>
                 <a:schemeClr val="accent1"/>
               </a:buClr>
-              <a:buFont typeface="Roboto" panose="02000000000000000000"/>
+              <a:buFont typeface="Roboto"/>
               <a:buNone/>
               <a:defRPr sz="1200" b="0" i="0" u="none" strike="noStrike" cap="none">
                 <a:solidFill>
                   <a:schemeClr val="accent1"/>
                 </a:solidFill>
-                <a:latin typeface="Roboto" panose="02000000000000000000"/>
-                <a:ea typeface="Roboto" panose="02000000000000000000"/>
-                <a:cs typeface="Roboto" panose="02000000000000000000"/>
-                <a:sym typeface="Roboto" panose="02000000000000000000"/>
+                <a:latin typeface="Roboto"/>
+                <a:ea typeface="Roboto"/>
+                <a:cs typeface="Roboto"/>
+                <a:sym typeface="Roboto"/>
               </a:defRPr>
             </a:lvl9pPr>
           </a:lstStyle>
@@ -7215,16 +7215,16 @@
               <a:buClr>
                 <a:schemeClr val="accent1"/>
               </a:buClr>
-              <a:buFont typeface="Roboto" panose="02000000000000000000"/>
+              <a:buFont typeface="Roboto"/>
               <a:buNone/>
               <a:defRPr sz="1200" b="0" i="0" u="none" strike="noStrike" cap="none">
                 <a:solidFill>
                   <a:schemeClr val="accent1"/>
                 </a:solidFill>
-                <a:latin typeface="Roboto" panose="02000000000000000000"/>
-                <a:ea typeface="Roboto" panose="02000000000000000000"/>
-                <a:cs typeface="Roboto" panose="02000000000000000000"/>
-                <a:sym typeface="Roboto" panose="02000000000000000000"/>
+                <a:latin typeface="Roboto"/>
+                <a:ea typeface="Roboto"/>
+                <a:cs typeface="Roboto"/>
+                <a:sym typeface="Roboto"/>
               </a:defRPr>
             </a:lvl1pPr>
             <a:lvl2pPr marL="457200" marR="0" lvl="1" indent="0" algn="l" rtl="0">
@@ -7240,16 +7240,16 @@
               <a:buClr>
                 <a:schemeClr val="accent1"/>
               </a:buClr>
-              <a:buFont typeface="Roboto" panose="02000000000000000000"/>
+              <a:buFont typeface="Roboto"/>
               <a:buNone/>
               <a:defRPr sz="1200" b="0" i="0" u="none" strike="noStrike" cap="none">
                 <a:solidFill>
                   <a:schemeClr val="accent1"/>
                 </a:solidFill>
-                <a:latin typeface="Roboto" panose="02000000000000000000"/>
-                <a:ea typeface="Roboto" panose="02000000000000000000"/>
-                <a:cs typeface="Roboto" panose="02000000000000000000"/>
-                <a:sym typeface="Roboto" panose="02000000000000000000"/>
+                <a:latin typeface="Roboto"/>
+                <a:ea typeface="Roboto"/>
+                <a:cs typeface="Roboto"/>
+                <a:sym typeface="Roboto"/>
               </a:defRPr>
             </a:lvl2pPr>
             <a:lvl3pPr marL="914400" marR="0" lvl="2" indent="0" algn="l" rtl="0">
@@ -7265,16 +7265,16 @@
               <a:buClr>
                 <a:schemeClr val="accent1"/>
               </a:buClr>
-              <a:buFont typeface="Roboto" panose="02000000000000000000"/>
+              <a:buFont typeface="Roboto"/>
               <a:buNone/>
               <a:defRPr sz="1200" b="0" i="0" u="none" strike="noStrike" cap="none">
                 <a:solidFill>
                   <a:schemeClr val="accent1"/>
                 </a:solidFill>
-                <a:latin typeface="Roboto" panose="02000000000000000000"/>
-                <a:ea typeface="Roboto" panose="02000000000000000000"/>
-                <a:cs typeface="Roboto" panose="02000000000000000000"/>
-                <a:sym typeface="Roboto" panose="02000000000000000000"/>
+                <a:latin typeface="Roboto"/>
+                <a:ea typeface="Roboto"/>
+                <a:cs typeface="Roboto"/>
+                <a:sym typeface="Roboto"/>
               </a:defRPr>
             </a:lvl3pPr>
             <a:lvl4pPr marL="1371600" marR="0" lvl="3" indent="0" algn="l" rtl="0">
@@ -7290,16 +7290,16 @@
               <a:buClr>
                 <a:schemeClr val="accent1"/>
               </a:buClr>
-              <a:buFont typeface="Roboto" panose="02000000000000000000"/>
+              <a:buFont typeface="Roboto"/>
               <a:buNone/>
               <a:defRPr sz="1200" b="0" i="0" u="none" strike="noStrike" cap="none">
                 <a:solidFill>
                   <a:schemeClr val="accent1"/>
                 </a:solidFill>
-                <a:latin typeface="Roboto" panose="02000000000000000000"/>
-                <a:ea typeface="Roboto" panose="02000000000000000000"/>
-                <a:cs typeface="Roboto" panose="02000000000000000000"/>
-                <a:sym typeface="Roboto" panose="02000000000000000000"/>
+                <a:latin typeface="Roboto"/>
+                <a:ea typeface="Roboto"/>
+                <a:cs typeface="Roboto"/>
+                <a:sym typeface="Roboto"/>
               </a:defRPr>
             </a:lvl4pPr>
             <a:lvl5pPr marL="1828800" marR="0" lvl="4" indent="0" algn="l" rtl="0">
@@ -7315,16 +7315,16 @@
               <a:buClr>
                 <a:schemeClr val="accent1"/>
               </a:buClr>
-              <a:buFont typeface="Roboto" panose="02000000000000000000"/>
+              <a:buFont typeface="Roboto"/>
               <a:buNone/>
               <a:defRPr sz="1200" b="0" i="0" u="none" strike="noStrike" cap="none">
                 <a:solidFill>
                   <a:schemeClr val="accent1"/>
                 </a:solidFill>
-                <a:latin typeface="Roboto" panose="02000000000000000000"/>
-                <a:ea typeface="Roboto" panose="02000000000000000000"/>
-                <a:cs typeface="Roboto" panose="02000000000000000000"/>
-                <a:sym typeface="Roboto" panose="02000000000000000000"/>
+                <a:latin typeface="Roboto"/>
+                <a:ea typeface="Roboto"/>
+                <a:cs typeface="Roboto"/>
+                <a:sym typeface="Roboto"/>
               </a:defRPr>
             </a:lvl5pPr>
             <a:lvl6pPr marL="2286000" marR="0" lvl="5" indent="0" algn="l" rtl="0">
@@ -7340,16 +7340,16 @@
               <a:buClr>
                 <a:schemeClr val="accent1"/>
               </a:buClr>
-              <a:buFont typeface="Roboto" panose="02000000000000000000"/>
+              <a:buFont typeface="Roboto"/>
               <a:buNone/>
               <a:defRPr sz="1200" b="0" i="0" u="none" strike="noStrike" cap="none">
                 <a:solidFill>
                   <a:schemeClr val="accent1"/>
                 </a:solidFill>
-                <a:latin typeface="Roboto" panose="02000000000000000000"/>
-                <a:ea typeface="Roboto" panose="02000000000000000000"/>
-                <a:cs typeface="Roboto" panose="02000000000000000000"/>
-                <a:sym typeface="Roboto" panose="02000000000000000000"/>
+                <a:latin typeface="Roboto"/>
+                <a:ea typeface="Roboto"/>
+                <a:cs typeface="Roboto"/>
+                <a:sym typeface="Roboto"/>
               </a:defRPr>
             </a:lvl6pPr>
             <a:lvl7pPr marL="2743200" marR="0" lvl="6" indent="0" algn="l" rtl="0">
@@ -7365,16 +7365,16 @@
               <a:buClr>
                 <a:schemeClr val="accent1"/>
               </a:buClr>
-              <a:buFont typeface="Roboto" panose="02000000000000000000"/>
+              <a:buFont typeface="Roboto"/>
               <a:buNone/>
               <a:defRPr sz="1200" b="0" i="0" u="none" strike="noStrike" cap="none">
                 <a:solidFill>
                   <a:schemeClr val="accent1"/>
                 </a:solidFill>
-                <a:latin typeface="Roboto" panose="02000000000000000000"/>
-                <a:ea typeface="Roboto" panose="02000000000000000000"/>
-                <a:cs typeface="Roboto" panose="02000000000000000000"/>
-                <a:sym typeface="Roboto" panose="02000000000000000000"/>
+                <a:latin typeface="Roboto"/>
+                <a:ea typeface="Roboto"/>
+                <a:cs typeface="Roboto"/>
+                <a:sym typeface="Roboto"/>
               </a:defRPr>
             </a:lvl7pPr>
             <a:lvl8pPr marL="3200400" marR="0" lvl="7" indent="0" algn="l" rtl="0">
@@ -7390,16 +7390,16 @@
               <a:buClr>
                 <a:schemeClr val="accent1"/>
               </a:buClr>
-              <a:buFont typeface="Roboto" panose="02000000000000000000"/>
+              <a:buFont typeface="Roboto"/>
               <a:buNone/>
               <a:defRPr sz="1200" b="0" i="0" u="none" strike="noStrike" cap="none">
                 <a:solidFill>
                   <a:schemeClr val="accent1"/>
                 </a:solidFill>
-                <a:latin typeface="Roboto" panose="02000000000000000000"/>
-                <a:ea typeface="Roboto" panose="02000000000000000000"/>
-                <a:cs typeface="Roboto" panose="02000000000000000000"/>
-                <a:sym typeface="Roboto" panose="02000000000000000000"/>
+                <a:latin typeface="Roboto"/>
+                <a:ea typeface="Roboto"/>
+                <a:cs typeface="Roboto"/>
+                <a:sym typeface="Roboto"/>
               </a:defRPr>
             </a:lvl8pPr>
             <a:lvl9pPr marL="3657600" marR="0" lvl="8" indent="0" algn="l" rtl="0">
@@ -7415,16 +7415,16 @@
               <a:buClr>
                 <a:schemeClr val="accent1"/>
               </a:buClr>
-              <a:buFont typeface="Roboto" panose="02000000000000000000"/>
+              <a:buFont typeface="Roboto"/>
               <a:buNone/>
               <a:defRPr sz="1200" b="0" i="0" u="none" strike="noStrike" cap="none">
                 <a:solidFill>
                   <a:schemeClr val="accent1"/>
                 </a:solidFill>
-                <a:latin typeface="Roboto" panose="02000000000000000000"/>
-                <a:ea typeface="Roboto" panose="02000000000000000000"/>
-                <a:cs typeface="Roboto" panose="02000000000000000000"/>
-                <a:sym typeface="Roboto" panose="02000000000000000000"/>
+                <a:latin typeface="Roboto"/>
+                <a:ea typeface="Roboto"/>
+                <a:cs typeface="Roboto"/>
+                <a:sym typeface="Roboto"/>
               </a:defRPr>
             </a:lvl9pPr>
           </a:lstStyle>
@@ -7468,16 +7468,16 @@
               <a:buClr>
                 <a:schemeClr val="accent1"/>
               </a:buClr>
-              <a:buFont typeface="Roboto" panose="02000000000000000000"/>
+              <a:buFont typeface="Roboto"/>
               <a:buNone/>
               <a:defRPr sz="1200" b="0" i="0" u="none" strike="noStrike" cap="none">
                 <a:solidFill>
                   <a:schemeClr val="accent1"/>
                 </a:solidFill>
-                <a:latin typeface="Roboto" panose="02000000000000000000"/>
-                <a:ea typeface="Roboto" panose="02000000000000000000"/>
-                <a:cs typeface="Roboto" panose="02000000000000000000"/>
-                <a:sym typeface="Roboto" panose="02000000000000000000"/>
+                <a:latin typeface="Roboto"/>
+                <a:ea typeface="Roboto"/>
+                <a:cs typeface="Roboto"/>
+                <a:sym typeface="Roboto"/>
               </a:defRPr>
             </a:lvl1pPr>
             <a:lvl2pPr marL="457200" marR="0" lvl="1" indent="0" algn="l" rtl="0">
@@ -7493,16 +7493,16 @@
               <a:buClr>
                 <a:schemeClr val="accent1"/>
               </a:buClr>
-              <a:buFont typeface="Roboto" panose="02000000000000000000"/>
+              <a:buFont typeface="Roboto"/>
               <a:buNone/>
               <a:defRPr sz="1200" b="0" i="0" u="none" strike="noStrike" cap="none">
                 <a:solidFill>
                   <a:schemeClr val="accent1"/>
                 </a:solidFill>
-                <a:latin typeface="Roboto" panose="02000000000000000000"/>
-                <a:ea typeface="Roboto" panose="02000000000000000000"/>
-                <a:cs typeface="Roboto" panose="02000000000000000000"/>
-                <a:sym typeface="Roboto" panose="02000000000000000000"/>
+                <a:latin typeface="Roboto"/>
+                <a:ea typeface="Roboto"/>
+                <a:cs typeface="Roboto"/>
+                <a:sym typeface="Roboto"/>
               </a:defRPr>
             </a:lvl2pPr>
             <a:lvl3pPr marL="914400" marR="0" lvl="2" indent="0" algn="l" rtl="0">
@@ -7518,16 +7518,16 @@
               <a:buClr>
                 <a:schemeClr val="accent1"/>
               </a:buClr>
-              <a:buFont typeface="Roboto" panose="02000000000000000000"/>
+              <a:buFont typeface="Roboto"/>
               <a:buNone/>
               <a:defRPr sz="1200" b="0" i="0" u="none" strike="noStrike" cap="none">
                 <a:solidFill>
                   <a:schemeClr val="accent1"/>
                 </a:solidFill>
-                <a:latin typeface="Roboto" panose="02000000000000000000"/>
-                <a:ea typeface="Roboto" panose="02000000000000000000"/>
-                <a:cs typeface="Roboto" panose="02000000000000000000"/>
-                <a:sym typeface="Roboto" panose="02000000000000000000"/>
+                <a:latin typeface="Roboto"/>
+                <a:ea typeface="Roboto"/>
+                <a:cs typeface="Roboto"/>
+                <a:sym typeface="Roboto"/>
               </a:defRPr>
             </a:lvl3pPr>
             <a:lvl4pPr marL="1371600" marR="0" lvl="3" indent="0" algn="l" rtl="0">
@@ -7543,16 +7543,16 @@
               <a:buClr>
                 <a:schemeClr val="accent1"/>
               </a:buClr>
-              <a:buFont typeface="Roboto" panose="02000000000000000000"/>
+              <a:buFont typeface="Roboto"/>
               <a:buNone/>
               <a:defRPr sz="1200" b="0" i="0" u="none" strike="noStrike" cap="none">
                 <a:solidFill>
                   <a:schemeClr val="accent1"/>
                 </a:solidFill>
-                <a:latin typeface="Roboto" panose="02000000000000000000"/>
-                <a:ea typeface="Roboto" panose="02000000000000000000"/>
-                <a:cs typeface="Roboto" panose="02000000000000000000"/>
-                <a:sym typeface="Roboto" panose="02000000000000000000"/>
+                <a:latin typeface="Roboto"/>
+                <a:ea typeface="Roboto"/>
+                <a:cs typeface="Roboto"/>
+                <a:sym typeface="Roboto"/>
               </a:defRPr>
             </a:lvl4pPr>
             <a:lvl5pPr marL="1828800" marR="0" lvl="4" indent="0" algn="l" rtl="0">
@@ -7568,16 +7568,16 @@
               <a:buClr>
                 <a:schemeClr val="accent1"/>
               </a:buClr>
-              <a:buFont typeface="Roboto" panose="02000000000000000000"/>
+              <a:buFont typeface="Roboto"/>
               <a:buNone/>
               <a:defRPr sz="1200" b="0" i="0" u="none" strike="noStrike" cap="none">
                 <a:solidFill>
                   <a:schemeClr val="accent1"/>
                 </a:solidFill>
-                <a:latin typeface="Roboto" panose="02000000000000000000"/>
-                <a:ea typeface="Roboto" panose="02000000000000000000"/>
-                <a:cs typeface="Roboto" panose="02000000000000000000"/>
-                <a:sym typeface="Roboto" panose="02000000000000000000"/>
+                <a:latin typeface="Roboto"/>
+                <a:ea typeface="Roboto"/>
+                <a:cs typeface="Roboto"/>
+                <a:sym typeface="Roboto"/>
               </a:defRPr>
             </a:lvl5pPr>
             <a:lvl6pPr marL="2286000" marR="0" lvl="5" indent="0" algn="l" rtl="0">
@@ -7593,16 +7593,16 @@
               <a:buClr>
                 <a:schemeClr val="accent1"/>
               </a:buClr>
-              <a:buFont typeface="Roboto" panose="02000000000000000000"/>
+              <a:buFont typeface="Roboto"/>
               <a:buNone/>
               <a:defRPr sz="1200" b="0" i="0" u="none" strike="noStrike" cap="none">
                 <a:solidFill>
                   <a:schemeClr val="accent1"/>
                 </a:solidFill>
-                <a:latin typeface="Roboto" panose="02000000000000000000"/>
-                <a:ea typeface="Roboto" panose="02000000000000000000"/>
-                <a:cs typeface="Roboto" panose="02000000000000000000"/>
-                <a:sym typeface="Roboto" panose="02000000000000000000"/>
+                <a:latin typeface="Roboto"/>
+                <a:ea typeface="Roboto"/>
+                <a:cs typeface="Roboto"/>
+                <a:sym typeface="Roboto"/>
               </a:defRPr>
             </a:lvl6pPr>
             <a:lvl7pPr marL="2743200" marR="0" lvl="6" indent="0" algn="l" rtl="0">
@@ -7618,16 +7618,16 @@
               <a:buClr>
                 <a:schemeClr val="accent1"/>
               </a:buClr>
-              <a:buFont typeface="Roboto" panose="02000000000000000000"/>
+              <a:buFont typeface="Roboto"/>
               <a:buNone/>
               <a:defRPr sz="1200" b="0" i="0" u="none" strike="noStrike" cap="none">
                 <a:solidFill>
                   <a:schemeClr val="accent1"/>
                 </a:solidFill>
-                <a:latin typeface="Roboto" panose="02000000000000000000"/>
-                <a:ea typeface="Roboto" panose="02000000000000000000"/>
-                <a:cs typeface="Roboto" panose="02000000000000000000"/>
-                <a:sym typeface="Roboto" panose="02000000000000000000"/>
+                <a:latin typeface="Roboto"/>
+                <a:ea typeface="Roboto"/>
+                <a:cs typeface="Roboto"/>
+                <a:sym typeface="Roboto"/>
               </a:defRPr>
             </a:lvl7pPr>
             <a:lvl8pPr marL="3200400" marR="0" lvl="7" indent="0" algn="l" rtl="0">
@@ -7643,16 +7643,16 @@
               <a:buClr>
                 <a:schemeClr val="accent1"/>
               </a:buClr>
-              <a:buFont typeface="Roboto" panose="02000000000000000000"/>
+              <a:buFont typeface="Roboto"/>
               <a:buNone/>
               <a:defRPr sz="1200" b="0" i="0" u="none" strike="noStrike" cap="none">
                 <a:solidFill>
                   <a:schemeClr val="accent1"/>
                 </a:solidFill>
-                <a:latin typeface="Roboto" panose="02000000000000000000"/>
-                <a:ea typeface="Roboto" panose="02000000000000000000"/>
-                <a:cs typeface="Roboto" panose="02000000000000000000"/>
-                <a:sym typeface="Roboto" panose="02000000000000000000"/>
+                <a:latin typeface="Roboto"/>
+                <a:ea typeface="Roboto"/>
+                <a:cs typeface="Roboto"/>
+                <a:sym typeface="Roboto"/>
               </a:defRPr>
             </a:lvl8pPr>
             <a:lvl9pPr marL="3657600" marR="0" lvl="8" indent="0" algn="l" rtl="0">
@@ -7668,16 +7668,16 @@
               <a:buClr>
                 <a:schemeClr val="accent1"/>
               </a:buClr>
-              <a:buFont typeface="Roboto" panose="02000000000000000000"/>
+              <a:buFont typeface="Roboto"/>
               <a:buNone/>
               <a:defRPr sz="1200" b="0" i="0" u="none" strike="noStrike" cap="none">
                 <a:solidFill>
                   <a:schemeClr val="accent1"/>
                 </a:solidFill>
-                <a:latin typeface="Roboto" panose="02000000000000000000"/>
-                <a:ea typeface="Roboto" panose="02000000000000000000"/>
-                <a:cs typeface="Roboto" panose="02000000000000000000"/>
-                <a:sym typeface="Roboto" panose="02000000000000000000"/>
+                <a:latin typeface="Roboto"/>
+                <a:ea typeface="Roboto"/>
+                <a:cs typeface="Roboto"/>
+                <a:sym typeface="Roboto"/>
               </a:defRPr>
             </a:lvl9pPr>
           </a:lstStyle>
@@ -7828,16 +7828,16 @@
               <a:buClr>
                 <a:schemeClr val="accent2"/>
               </a:buClr>
-              <a:buFont typeface="Roboto" panose="02000000000000000000"/>
+              <a:buFont typeface="Roboto"/>
               <a:buNone/>
               <a:defRPr sz="2600" b="0" i="0" u="none" strike="noStrike" cap="none">
                 <a:solidFill>
                   <a:srgbClr val="666666"/>
                 </a:solidFill>
-                <a:latin typeface="Roboto" panose="02000000000000000000"/>
-                <a:ea typeface="Roboto" panose="02000000000000000000"/>
-                <a:cs typeface="Roboto" panose="02000000000000000000"/>
-                <a:sym typeface="Roboto" panose="02000000000000000000"/>
+                <a:latin typeface="Roboto"/>
+                <a:ea typeface="Roboto"/>
+                <a:cs typeface="Roboto"/>
+                <a:sym typeface="Roboto"/>
               </a:defRPr>
             </a:lvl1pPr>
             <a:lvl2pPr lvl="1" indent="0" rtl="0">
@@ -8001,16 +8001,16 @@
               <a:buClr>
                 <a:schemeClr val="accent1"/>
               </a:buClr>
-              <a:buFont typeface="Roboto" panose="02000000000000000000"/>
+              <a:buFont typeface="Roboto"/>
               <a:buNone/>
               <a:defRPr sz="1200" b="0" i="0" u="none" strike="noStrike" cap="none">
                 <a:solidFill>
                   <a:schemeClr val="accent1"/>
                 </a:solidFill>
-                <a:latin typeface="Roboto" panose="02000000000000000000"/>
-                <a:ea typeface="Roboto" panose="02000000000000000000"/>
-                <a:cs typeface="Roboto" panose="02000000000000000000"/>
-                <a:sym typeface="Roboto" panose="02000000000000000000"/>
+                <a:latin typeface="Roboto"/>
+                <a:ea typeface="Roboto"/>
+                <a:cs typeface="Roboto"/>
+                <a:sym typeface="Roboto"/>
               </a:defRPr>
             </a:lvl1pPr>
             <a:lvl2pPr marL="457200" marR="0" lvl="1" indent="0" algn="l" rtl="0">
@@ -8026,16 +8026,16 @@
               <a:buClr>
                 <a:schemeClr val="accent1"/>
               </a:buClr>
-              <a:buFont typeface="Roboto" panose="02000000000000000000"/>
+              <a:buFont typeface="Roboto"/>
               <a:buNone/>
               <a:defRPr sz="1200" b="0" i="0" u="none" strike="noStrike" cap="none">
                 <a:solidFill>
                   <a:schemeClr val="accent1"/>
                 </a:solidFill>
-                <a:latin typeface="Roboto" panose="02000000000000000000"/>
-                <a:ea typeface="Roboto" panose="02000000000000000000"/>
-                <a:cs typeface="Roboto" panose="02000000000000000000"/>
-                <a:sym typeface="Roboto" panose="02000000000000000000"/>
+                <a:latin typeface="Roboto"/>
+                <a:ea typeface="Roboto"/>
+                <a:cs typeface="Roboto"/>
+                <a:sym typeface="Roboto"/>
               </a:defRPr>
             </a:lvl2pPr>
             <a:lvl3pPr marL="914400" marR="0" lvl="2" indent="0" algn="l" rtl="0">
@@ -8051,16 +8051,16 @@
               <a:buClr>
                 <a:schemeClr val="accent1"/>
               </a:buClr>
-              <a:buFont typeface="Roboto" panose="02000000000000000000"/>
+              <a:buFont typeface="Roboto"/>
               <a:buNone/>
               <a:defRPr sz="1200" b="0" i="0" u="none" strike="noStrike" cap="none">
                 <a:solidFill>
                   <a:schemeClr val="accent1"/>
                 </a:solidFill>
-                <a:latin typeface="Roboto" panose="02000000000000000000"/>
-                <a:ea typeface="Roboto" panose="02000000000000000000"/>
-                <a:cs typeface="Roboto" panose="02000000000000000000"/>
-                <a:sym typeface="Roboto" panose="02000000000000000000"/>
+                <a:latin typeface="Roboto"/>
+                <a:ea typeface="Roboto"/>
+                <a:cs typeface="Roboto"/>
+                <a:sym typeface="Roboto"/>
               </a:defRPr>
             </a:lvl3pPr>
             <a:lvl4pPr marL="1371600" marR="0" lvl="3" indent="0" algn="l" rtl="0">
@@ -8076,16 +8076,16 @@
               <a:buClr>
                 <a:schemeClr val="accent1"/>
               </a:buClr>
-              <a:buFont typeface="Roboto" panose="02000000000000000000"/>
+              <a:buFont typeface="Roboto"/>
               <a:buNone/>
               <a:defRPr sz="1200" b="0" i="0" u="none" strike="noStrike" cap="none">
                 <a:solidFill>
                   <a:schemeClr val="accent1"/>
                 </a:solidFill>
-                <a:latin typeface="Roboto" panose="02000000000000000000"/>
-                <a:ea typeface="Roboto" panose="02000000000000000000"/>
-                <a:cs typeface="Roboto" panose="02000000000000000000"/>
-                <a:sym typeface="Roboto" panose="02000000000000000000"/>
+                <a:latin typeface="Roboto"/>
+                <a:ea typeface="Roboto"/>
+                <a:cs typeface="Roboto"/>
+                <a:sym typeface="Roboto"/>
               </a:defRPr>
             </a:lvl4pPr>
             <a:lvl5pPr marL="1828800" marR="0" lvl="4" indent="0" algn="l" rtl="0">
@@ -8101,16 +8101,16 @@
               <a:buClr>
                 <a:schemeClr val="accent1"/>
               </a:buClr>
-              <a:buFont typeface="Roboto" panose="02000000000000000000"/>
+              <a:buFont typeface="Roboto"/>
               <a:buNone/>
               <a:defRPr sz="1200" b="0" i="0" u="none" strike="noStrike" cap="none">
                 <a:solidFill>
                   <a:schemeClr val="accent1"/>
                 </a:solidFill>
-                <a:latin typeface="Roboto" panose="02000000000000000000"/>
-                <a:ea typeface="Roboto" panose="02000000000000000000"/>
-                <a:cs typeface="Roboto" panose="02000000000000000000"/>
-                <a:sym typeface="Roboto" panose="02000000000000000000"/>
+                <a:latin typeface="Roboto"/>
+                <a:ea typeface="Roboto"/>
+                <a:cs typeface="Roboto"/>
+                <a:sym typeface="Roboto"/>
               </a:defRPr>
             </a:lvl5pPr>
             <a:lvl6pPr marL="2286000" marR="0" lvl="5" indent="0" algn="l" rtl="0">
@@ -8126,16 +8126,16 @@
               <a:buClr>
                 <a:schemeClr val="accent1"/>
               </a:buClr>
-              <a:buFont typeface="Roboto" panose="02000000000000000000"/>
+              <a:buFont typeface="Roboto"/>
               <a:buNone/>
               <a:defRPr sz="1200" b="0" i="0" u="none" strike="noStrike" cap="none">
                 <a:solidFill>
                   <a:schemeClr val="accent1"/>
                 </a:solidFill>
-                <a:latin typeface="Roboto" panose="02000000000000000000"/>
-                <a:ea typeface="Roboto" panose="02000000000000000000"/>
-                <a:cs typeface="Roboto" panose="02000000000000000000"/>
-                <a:sym typeface="Roboto" panose="02000000000000000000"/>
+                <a:latin typeface="Roboto"/>
+                <a:ea typeface="Roboto"/>
+                <a:cs typeface="Roboto"/>
+                <a:sym typeface="Roboto"/>
               </a:defRPr>
             </a:lvl6pPr>
             <a:lvl7pPr marL="2743200" marR="0" lvl="6" indent="0" algn="l" rtl="0">
@@ -8151,16 +8151,16 @@
               <a:buClr>
                 <a:schemeClr val="accent1"/>
               </a:buClr>
-              <a:buFont typeface="Roboto" panose="02000000000000000000"/>
+              <a:buFont typeface="Roboto"/>
               <a:buNone/>
               <a:defRPr sz="1200" b="0" i="0" u="none" strike="noStrike" cap="none">
                 <a:solidFill>
                   <a:schemeClr val="accent1"/>
                 </a:solidFill>
-                <a:latin typeface="Roboto" panose="02000000000000000000"/>
-                <a:ea typeface="Roboto" panose="02000000000000000000"/>
-                <a:cs typeface="Roboto" panose="02000000000000000000"/>
-                <a:sym typeface="Roboto" panose="02000000000000000000"/>
+                <a:latin typeface="Roboto"/>
+                <a:ea typeface="Roboto"/>
+                <a:cs typeface="Roboto"/>
+                <a:sym typeface="Roboto"/>
               </a:defRPr>
             </a:lvl7pPr>
             <a:lvl8pPr marL="3200400" marR="0" lvl="7" indent="0" algn="l" rtl="0">
@@ -8176,16 +8176,16 @@
               <a:buClr>
                 <a:schemeClr val="accent1"/>
               </a:buClr>
-              <a:buFont typeface="Roboto" panose="02000000000000000000"/>
+              <a:buFont typeface="Roboto"/>
               <a:buNone/>
               <a:defRPr sz="1200" b="0" i="0" u="none" strike="noStrike" cap="none">
                 <a:solidFill>
                   <a:schemeClr val="accent1"/>
                 </a:solidFill>
-                <a:latin typeface="Roboto" panose="02000000000000000000"/>
-                <a:ea typeface="Roboto" panose="02000000000000000000"/>
-                <a:cs typeface="Roboto" panose="02000000000000000000"/>
-                <a:sym typeface="Roboto" panose="02000000000000000000"/>
+                <a:latin typeface="Roboto"/>
+                <a:ea typeface="Roboto"/>
+                <a:cs typeface="Roboto"/>
+                <a:sym typeface="Roboto"/>
               </a:defRPr>
             </a:lvl8pPr>
             <a:lvl9pPr marL="3657600" marR="0" lvl="8" indent="0" algn="l" rtl="0">
@@ -8201,16 +8201,16 @@
               <a:buClr>
                 <a:schemeClr val="accent1"/>
               </a:buClr>
-              <a:buFont typeface="Roboto" panose="02000000000000000000"/>
+              <a:buFont typeface="Roboto"/>
               <a:buNone/>
               <a:defRPr sz="1200" b="0" i="0" u="none" strike="noStrike" cap="none">
                 <a:solidFill>
                   <a:schemeClr val="accent1"/>
                 </a:solidFill>
-                <a:latin typeface="Roboto" panose="02000000000000000000"/>
-                <a:ea typeface="Roboto" panose="02000000000000000000"/>
-                <a:cs typeface="Roboto" panose="02000000000000000000"/>
-                <a:sym typeface="Roboto" panose="02000000000000000000"/>
+                <a:latin typeface="Roboto"/>
+                <a:ea typeface="Roboto"/>
+                <a:cs typeface="Roboto"/>
+                <a:sym typeface="Roboto"/>
               </a:defRPr>
             </a:lvl9pPr>
           </a:lstStyle>
@@ -8361,16 +8361,16 @@
               <a:buClr>
                 <a:schemeClr val="accent2"/>
               </a:buClr>
-              <a:buFont typeface="Roboto" panose="02000000000000000000"/>
+              <a:buFont typeface="Roboto"/>
               <a:buNone/>
               <a:defRPr sz="2600" b="0" i="0" u="none" strike="noStrike" cap="none">
                 <a:solidFill>
                   <a:srgbClr val="666666"/>
                 </a:solidFill>
-                <a:latin typeface="Roboto" panose="02000000000000000000"/>
-                <a:ea typeface="Roboto" panose="02000000000000000000"/>
-                <a:cs typeface="Roboto" panose="02000000000000000000"/>
-                <a:sym typeface="Roboto" panose="02000000000000000000"/>
+                <a:latin typeface="Roboto"/>
+                <a:ea typeface="Roboto"/>
+                <a:cs typeface="Roboto"/>
+                <a:sym typeface="Roboto"/>
               </a:defRPr>
             </a:lvl1pPr>
             <a:lvl2pPr lvl="1" indent="0" rtl="0">
@@ -8534,16 +8534,16 @@
               <a:buClr>
                 <a:schemeClr val="accent1"/>
               </a:buClr>
-              <a:buFont typeface="Roboto" panose="02000000000000000000"/>
+              <a:buFont typeface="Roboto"/>
               <a:buNone/>
               <a:defRPr sz="1200" b="0" i="0" u="none" strike="noStrike" cap="none">
                 <a:solidFill>
                   <a:schemeClr val="accent1"/>
                 </a:solidFill>
-                <a:latin typeface="Roboto" panose="02000000000000000000"/>
-                <a:ea typeface="Roboto" panose="02000000000000000000"/>
-                <a:cs typeface="Roboto" panose="02000000000000000000"/>
-                <a:sym typeface="Roboto" panose="02000000000000000000"/>
+                <a:latin typeface="Roboto"/>
+                <a:ea typeface="Roboto"/>
+                <a:cs typeface="Roboto"/>
+                <a:sym typeface="Roboto"/>
               </a:defRPr>
             </a:lvl1pPr>
             <a:lvl2pPr marL="457200" marR="0" lvl="1" indent="0" algn="l" rtl="0">
@@ -8559,16 +8559,16 @@
               <a:buClr>
                 <a:schemeClr val="accent1"/>
               </a:buClr>
-              <a:buFont typeface="Roboto" panose="02000000000000000000"/>
+              <a:buFont typeface="Roboto"/>
               <a:buNone/>
               <a:defRPr sz="1200" b="0" i="0" u="none" strike="noStrike" cap="none">
                 <a:solidFill>
                   <a:schemeClr val="accent1"/>
                 </a:solidFill>
-                <a:latin typeface="Roboto" panose="02000000000000000000"/>
-                <a:ea typeface="Roboto" panose="02000000000000000000"/>
-                <a:cs typeface="Roboto" panose="02000000000000000000"/>
-                <a:sym typeface="Roboto" panose="02000000000000000000"/>
+                <a:latin typeface="Roboto"/>
+                <a:ea typeface="Roboto"/>
+                <a:cs typeface="Roboto"/>
+                <a:sym typeface="Roboto"/>
               </a:defRPr>
             </a:lvl2pPr>
             <a:lvl3pPr marL="914400" marR="0" lvl="2" indent="0" algn="l" rtl="0">
@@ -8584,16 +8584,16 @@
               <a:buClr>
                 <a:schemeClr val="accent1"/>
               </a:buClr>
-              <a:buFont typeface="Roboto" panose="02000000000000000000"/>
+              <a:buFont typeface="Roboto"/>
               <a:buNone/>
               <a:defRPr sz="1200" b="0" i="0" u="none" strike="noStrike" cap="none">
                 <a:solidFill>
                   <a:schemeClr val="accent1"/>
                 </a:solidFill>
-                <a:latin typeface="Roboto" panose="02000000000000000000"/>
-                <a:ea typeface="Roboto" panose="02000000000000000000"/>
-                <a:cs typeface="Roboto" panose="02000000000000000000"/>
-                <a:sym typeface="Roboto" panose="02000000000000000000"/>
+                <a:latin typeface="Roboto"/>
+                <a:ea typeface="Roboto"/>
+                <a:cs typeface="Roboto"/>
+                <a:sym typeface="Roboto"/>
               </a:defRPr>
             </a:lvl3pPr>
             <a:lvl4pPr marL="1371600" marR="0" lvl="3" indent="0" algn="l" rtl="0">
@@ -8609,16 +8609,16 @@
               <a:buClr>
                 <a:schemeClr val="accent1"/>
               </a:buClr>
-              <a:buFont typeface="Roboto" panose="02000000000000000000"/>
+              <a:buFont typeface="Roboto"/>
               <a:buNone/>
               <a:defRPr sz="1200" b="0" i="0" u="none" strike="noStrike" cap="none">
                 <a:solidFill>
                   <a:schemeClr val="accent1"/>
                 </a:solidFill>
-                <a:latin typeface="Roboto" panose="02000000000000000000"/>
-                <a:ea typeface="Roboto" panose="02000000000000000000"/>
-                <a:cs typeface="Roboto" panose="02000000000000000000"/>
-                <a:sym typeface="Roboto" panose="02000000000000000000"/>
+                <a:latin typeface="Roboto"/>
+                <a:ea typeface="Roboto"/>
+                <a:cs typeface="Roboto"/>
+                <a:sym typeface="Roboto"/>
               </a:defRPr>
             </a:lvl4pPr>
             <a:lvl5pPr marL="1828800" marR="0" lvl="4" indent="0" algn="l" rtl="0">
@@ -8634,16 +8634,16 @@
               <a:buClr>
                 <a:schemeClr val="accent1"/>
               </a:buClr>
-              <a:buFont typeface="Roboto" panose="02000000000000000000"/>
+              <a:buFont typeface="Roboto"/>
               <a:buNone/>
               <a:defRPr sz="1200" b="0" i="0" u="none" strike="noStrike" cap="none">
                 <a:solidFill>
                   <a:schemeClr val="accent1"/>
                 </a:solidFill>
-                <a:latin typeface="Roboto" panose="02000000000000000000"/>
-                <a:ea typeface="Roboto" panose="02000000000000000000"/>
-                <a:cs typeface="Roboto" panose="02000000000000000000"/>
-                <a:sym typeface="Roboto" panose="02000000000000000000"/>
+                <a:latin typeface="Roboto"/>
+                <a:ea typeface="Roboto"/>
+                <a:cs typeface="Roboto"/>
+                <a:sym typeface="Roboto"/>
               </a:defRPr>
             </a:lvl5pPr>
             <a:lvl6pPr marL="2286000" marR="0" lvl="5" indent="0" algn="l" rtl="0">
@@ -8659,16 +8659,16 @@
               <a:buClr>
                 <a:schemeClr val="accent1"/>
               </a:buClr>
-              <a:buFont typeface="Roboto" panose="02000000000000000000"/>
+              <a:buFont typeface="Roboto"/>
               <a:buNone/>
               <a:defRPr sz="1200" b="0" i="0" u="none" strike="noStrike" cap="none">
                 <a:solidFill>
                   <a:schemeClr val="accent1"/>
                 </a:solidFill>
-                <a:latin typeface="Roboto" panose="02000000000000000000"/>
-                <a:ea typeface="Roboto" panose="02000000000000000000"/>
-                <a:cs typeface="Roboto" panose="02000000000000000000"/>
-                <a:sym typeface="Roboto" panose="02000000000000000000"/>
+                <a:latin typeface="Roboto"/>
+                <a:ea typeface="Roboto"/>
+                <a:cs typeface="Roboto"/>
+                <a:sym typeface="Roboto"/>
               </a:defRPr>
             </a:lvl6pPr>
             <a:lvl7pPr marL="2743200" marR="0" lvl="6" indent="0" algn="l" rtl="0">
@@ -8684,16 +8684,16 @@
               <a:buClr>
                 <a:schemeClr val="accent1"/>
               </a:buClr>
-              <a:buFont typeface="Roboto" panose="02000000000000000000"/>
+              <a:buFont typeface="Roboto"/>
               <a:buNone/>
               <a:defRPr sz="1200" b="0" i="0" u="none" strike="noStrike" cap="none">
                 <a:solidFill>
                   <a:schemeClr val="accent1"/>
                 </a:solidFill>
-                <a:latin typeface="Roboto" panose="02000000000000000000"/>
-                <a:ea typeface="Roboto" panose="02000000000000000000"/>
-                <a:cs typeface="Roboto" panose="02000000000000000000"/>
-                <a:sym typeface="Roboto" panose="02000000000000000000"/>
+                <a:latin typeface="Roboto"/>
+                <a:ea typeface="Roboto"/>
+                <a:cs typeface="Roboto"/>
+                <a:sym typeface="Roboto"/>
               </a:defRPr>
             </a:lvl7pPr>
             <a:lvl8pPr marL="3200400" marR="0" lvl="7" indent="0" algn="l" rtl="0">
@@ -8709,16 +8709,16 @@
               <a:buClr>
                 <a:schemeClr val="accent1"/>
               </a:buClr>
-              <a:buFont typeface="Roboto" panose="02000000000000000000"/>
+              <a:buFont typeface="Roboto"/>
               <a:buNone/>
               <a:defRPr sz="1200" b="0" i="0" u="none" strike="noStrike" cap="none">
                 <a:solidFill>
                   <a:schemeClr val="accent1"/>
                 </a:solidFill>
-                <a:latin typeface="Roboto" panose="02000000000000000000"/>
-                <a:ea typeface="Roboto" panose="02000000000000000000"/>
-                <a:cs typeface="Roboto" panose="02000000000000000000"/>
-                <a:sym typeface="Roboto" panose="02000000000000000000"/>
+                <a:latin typeface="Roboto"/>
+                <a:ea typeface="Roboto"/>
+                <a:cs typeface="Roboto"/>
+                <a:sym typeface="Roboto"/>
               </a:defRPr>
             </a:lvl8pPr>
             <a:lvl9pPr marL="3657600" marR="0" lvl="8" indent="0" algn="l" rtl="0">
@@ -8734,16 +8734,16 @@
               <a:buClr>
                 <a:schemeClr val="accent1"/>
               </a:buClr>
-              <a:buFont typeface="Roboto" panose="02000000000000000000"/>
+              <a:buFont typeface="Roboto"/>
               <a:buNone/>
               <a:defRPr sz="1200" b="0" i="0" u="none" strike="noStrike" cap="none">
                 <a:solidFill>
                   <a:schemeClr val="accent1"/>
                 </a:solidFill>
-                <a:latin typeface="Roboto" panose="02000000000000000000"/>
-                <a:ea typeface="Roboto" panose="02000000000000000000"/>
-                <a:cs typeface="Roboto" panose="02000000000000000000"/>
-                <a:sym typeface="Roboto" panose="02000000000000000000"/>
+                <a:latin typeface="Roboto"/>
+                <a:ea typeface="Roboto"/>
+                <a:cs typeface="Roboto"/>
+                <a:sym typeface="Roboto"/>
               </a:defRPr>
             </a:lvl9pPr>
           </a:lstStyle>
@@ -8894,16 +8894,16 @@
               <a:buClr>
                 <a:schemeClr val="accent2"/>
               </a:buClr>
-              <a:buFont typeface="Roboto" panose="02000000000000000000"/>
+              <a:buFont typeface="Roboto"/>
               <a:buNone/>
               <a:defRPr sz="2600" b="0" i="0" u="none" strike="noStrike" cap="none">
                 <a:solidFill>
                   <a:srgbClr val="666666"/>
                 </a:solidFill>
-                <a:latin typeface="Roboto" panose="02000000000000000000"/>
-                <a:ea typeface="Roboto" panose="02000000000000000000"/>
-                <a:cs typeface="Roboto" panose="02000000000000000000"/>
-                <a:sym typeface="Roboto" panose="02000000000000000000"/>
+                <a:latin typeface="Roboto"/>
+                <a:ea typeface="Roboto"/>
+                <a:cs typeface="Roboto"/>
+                <a:sym typeface="Roboto"/>
               </a:defRPr>
             </a:lvl1pPr>
             <a:lvl2pPr lvl="1" indent="0" rtl="0">
@@ -9067,16 +9067,16 @@
               <a:buClr>
                 <a:schemeClr val="accent1"/>
               </a:buClr>
-              <a:buFont typeface="Roboto" panose="02000000000000000000"/>
+              <a:buFont typeface="Roboto"/>
               <a:buNone/>
               <a:defRPr sz="1200" b="0" i="0" u="none" strike="noStrike" cap="none">
                 <a:solidFill>
                   <a:schemeClr val="accent1"/>
                 </a:solidFill>
-                <a:latin typeface="Roboto" panose="02000000000000000000"/>
-                <a:ea typeface="Roboto" panose="02000000000000000000"/>
-                <a:cs typeface="Roboto" panose="02000000000000000000"/>
-                <a:sym typeface="Roboto" panose="02000000000000000000"/>
+                <a:latin typeface="Roboto"/>
+                <a:ea typeface="Roboto"/>
+                <a:cs typeface="Roboto"/>
+                <a:sym typeface="Roboto"/>
               </a:defRPr>
             </a:lvl1pPr>
             <a:lvl2pPr marL="457200" marR="0" lvl="1" indent="0" algn="l" rtl="0">
@@ -9092,16 +9092,16 @@
               <a:buClr>
                 <a:schemeClr val="accent1"/>
               </a:buClr>
-              <a:buFont typeface="Roboto" panose="02000000000000000000"/>
+              <a:buFont typeface="Roboto"/>
               <a:buNone/>
               <a:defRPr sz="1200" b="0" i="0" u="none" strike="noStrike" cap="none">
                 <a:solidFill>
                   <a:schemeClr val="accent1"/>
                 </a:solidFill>
-                <a:latin typeface="Roboto" panose="02000000000000000000"/>
-                <a:ea typeface="Roboto" panose="02000000000000000000"/>
-                <a:cs typeface="Roboto" panose="02000000000000000000"/>
-                <a:sym typeface="Roboto" panose="02000000000000000000"/>
+                <a:latin typeface="Roboto"/>
+                <a:ea typeface="Roboto"/>
+                <a:cs typeface="Roboto"/>
+                <a:sym typeface="Roboto"/>
               </a:defRPr>
             </a:lvl2pPr>
             <a:lvl3pPr marL="914400" marR="0" lvl="2" indent="0" algn="l" rtl="0">
@@ -9117,16 +9117,16 @@
               <a:buClr>
                 <a:schemeClr val="accent1"/>
               </a:buClr>
-              <a:buFont typeface="Roboto" panose="02000000000000000000"/>
+              <a:buFont typeface="Roboto"/>
               <a:buNone/>
               <a:defRPr sz="1200" b="0" i="0" u="none" strike="noStrike" cap="none">
                 <a:solidFill>
                   <a:schemeClr val="accent1"/>
                 </a:solidFill>
-                <a:latin typeface="Roboto" panose="02000000000000000000"/>
-                <a:ea typeface="Roboto" panose="02000000000000000000"/>
-                <a:cs typeface="Roboto" panose="02000000000000000000"/>
-                <a:sym typeface="Roboto" panose="02000000000000000000"/>
+                <a:latin typeface="Roboto"/>
+                <a:ea typeface="Roboto"/>
+                <a:cs typeface="Roboto"/>
+                <a:sym typeface="Roboto"/>
               </a:defRPr>
             </a:lvl3pPr>
             <a:lvl4pPr marL="1371600" marR="0" lvl="3" indent="0" algn="l" rtl="0">
@@ -9142,16 +9142,16 @@
               <a:buClr>
                 <a:schemeClr val="accent1"/>
               </a:buClr>
-              <a:buFont typeface="Roboto" panose="02000000000000000000"/>
+              <a:buFont typeface="Roboto"/>
               <a:buNone/>
               <a:defRPr sz="1200" b="0" i="0" u="none" strike="noStrike" cap="none">
                 <a:solidFill>
                   <a:schemeClr val="accent1"/>
                 </a:solidFill>
-                <a:latin typeface="Roboto" panose="02000000000000000000"/>
-                <a:ea typeface="Roboto" panose="02000000000000000000"/>
-                <a:cs typeface="Roboto" panose="02000000000000000000"/>
-                <a:sym typeface="Roboto" panose="02000000000000000000"/>
+                <a:latin typeface="Roboto"/>
+                <a:ea typeface="Roboto"/>
+                <a:cs typeface="Roboto"/>
+                <a:sym typeface="Roboto"/>
               </a:defRPr>
             </a:lvl4pPr>
             <a:lvl5pPr marL="1828800" marR="0" lvl="4" indent="0" algn="l" rtl="0">
@@ -9167,16 +9167,16 @@
               <a:buClr>
                 <a:schemeClr val="accent1"/>
               </a:buClr>
-              <a:buFont typeface="Roboto" panose="02000000000000000000"/>
+              <a:buFont typeface="Roboto"/>
               <a:buNone/>
               <a:defRPr sz="1200" b="0" i="0" u="none" strike="noStrike" cap="none">
                 <a:solidFill>
                   <a:schemeClr val="accent1"/>
                 </a:solidFill>
-                <a:latin typeface="Roboto" panose="02000000000000000000"/>
-                <a:ea typeface="Roboto" panose="02000000000000000000"/>
-                <a:cs typeface="Roboto" panose="02000000000000000000"/>
-                <a:sym typeface="Roboto" panose="02000000000000000000"/>
+                <a:latin typeface="Roboto"/>
+                <a:ea typeface="Roboto"/>
+                <a:cs typeface="Roboto"/>
+                <a:sym typeface="Roboto"/>
               </a:defRPr>
             </a:lvl5pPr>
             <a:lvl6pPr marL="2286000" marR="0" lvl="5" indent="0" algn="l" rtl="0">
@@ -9192,16 +9192,16 @@
               <a:buClr>
                 <a:schemeClr val="accent1"/>
               </a:buClr>
-              <a:buFont typeface="Roboto" panose="02000000000000000000"/>
+              <a:buFont typeface="Roboto"/>
               <a:buNone/>
               <a:defRPr sz="1200" b="0" i="0" u="none" strike="noStrike" cap="none">
                 <a:solidFill>
                   <a:schemeClr val="accent1"/>
                 </a:solidFill>
-                <a:latin typeface="Roboto" panose="02000000000000000000"/>
-                <a:ea typeface="Roboto" panose="02000000000000000000"/>
-                <a:cs typeface="Roboto" panose="02000000000000000000"/>
-                <a:sym typeface="Roboto" panose="02000000000000000000"/>
+                <a:latin typeface="Roboto"/>
+                <a:ea typeface="Roboto"/>
+                <a:cs typeface="Roboto"/>
+                <a:sym typeface="Roboto"/>
               </a:defRPr>
             </a:lvl6pPr>
             <a:lvl7pPr marL="2743200" marR="0" lvl="6" indent="0" algn="l" rtl="0">
@@ -9217,16 +9217,16 @@
               <a:buClr>
                 <a:schemeClr val="accent1"/>
               </a:buClr>
-              <a:buFont typeface="Roboto" panose="02000000000000000000"/>
+              <a:buFont typeface="Roboto"/>
               <a:buNone/>
               <a:defRPr sz="1200" b="0" i="0" u="none" strike="noStrike" cap="none">
                 <a:solidFill>
                   <a:schemeClr val="accent1"/>
                 </a:solidFill>
-                <a:latin typeface="Roboto" panose="02000000000000000000"/>
-                <a:ea typeface="Roboto" panose="02000000000000000000"/>
-                <a:cs typeface="Roboto" panose="02000000000000000000"/>
-                <a:sym typeface="Roboto" panose="02000000000000000000"/>
+                <a:latin typeface="Roboto"/>
+                <a:ea typeface="Roboto"/>
+                <a:cs typeface="Roboto"/>
+                <a:sym typeface="Roboto"/>
               </a:defRPr>
             </a:lvl7pPr>
             <a:lvl8pPr marL="3200400" marR="0" lvl="7" indent="0" algn="l" rtl="0">
@@ -9242,16 +9242,16 @@
               <a:buClr>
                 <a:schemeClr val="accent1"/>
               </a:buClr>
-              <a:buFont typeface="Roboto" panose="02000000000000000000"/>
+              <a:buFont typeface="Roboto"/>
               <a:buNone/>
               <a:defRPr sz="1200" b="0" i="0" u="none" strike="noStrike" cap="none">
                 <a:solidFill>
                   <a:schemeClr val="accent1"/>
                 </a:solidFill>
-                <a:latin typeface="Roboto" panose="02000000000000000000"/>
-                <a:ea typeface="Roboto" panose="02000000000000000000"/>
-                <a:cs typeface="Roboto" panose="02000000000000000000"/>
-                <a:sym typeface="Roboto" panose="02000000000000000000"/>
+                <a:latin typeface="Roboto"/>
+                <a:ea typeface="Roboto"/>
+                <a:cs typeface="Roboto"/>
+                <a:sym typeface="Roboto"/>
               </a:defRPr>
             </a:lvl8pPr>
             <a:lvl9pPr marL="3657600" marR="0" lvl="8" indent="0" algn="l" rtl="0">
@@ -9267,16 +9267,16 @@
               <a:buClr>
                 <a:schemeClr val="accent1"/>
               </a:buClr>
-              <a:buFont typeface="Roboto" panose="02000000000000000000"/>
+              <a:buFont typeface="Roboto"/>
               <a:buNone/>
               <a:defRPr sz="1200" b="0" i="0" u="none" strike="noStrike" cap="none">
                 <a:solidFill>
                   <a:schemeClr val="accent1"/>
                 </a:solidFill>
-                <a:latin typeface="Roboto" panose="02000000000000000000"/>
-                <a:ea typeface="Roboto" panose="02000000000000000000"/>
-                <a:cs typeface="Roboto" panose="02000000000000000000"/>
-                <a:sym typeface="Roboto" panose="02000000000000000000"/>
+                <a:latin typeface="Roboto"/>
+                <a:ea typeface="Roboto"/>
+                <a:cs typeface="Roboto"/>
+                <a:sym typeface="Roboto"/>
               </a:defRPr>
             </a:lvl9pPr>
           </a:lstStyle>
@@ -14021,7 +14021,7 @@
               </a:rPr>
               <a:t>RxJS简介</a:t>
             </a:r>
-            <a:endParaRPr lang="zh-CN" altLang="en-US" sz="2000">
+            <a:endParaRPr lang="en-US" altLang="en-GB" sz="2000">
               <a:solidFill>
                 <a:schemeClr val="dk1"/>
               </a:solidFill>
@@ -16009,8 +16009,6 @@
       </a:bgFillStyleLst>
     </a:fmtScheme>
   </a:themeElements>
-  <a:objectDefaults/>
-  <a:extraClrSchemeLst/>
   <a:extLst>
     <a:ext uri="{05A4C25C-085E-4340-85A3-A5531E510DB2}">
       <thm15:themeFamily xmlns:thm15="http://schemas.microsoft.com/office/thememl/2012/main" name="Office Theme" id="{62F939B6-93AF-4DB8-9C6B-D6C7DFDC589F}" vid="{4A3C46E8-61CC-4603-A589-7422A47A8E4A}"/>
@@ -16295,8 +16293,6 @@
       </a:bgFillStyleLst>
     </a:fmtScheme>
   </a:themeElements>
-  <a:objectDefaults/>
-  <a:extraClrSchemeLst/>
   <a:extLst>
     <a:ext uri="{05A4C25C-085E-4340-85A3-A5531E510DB2}">
       <thm15:themeFamily xmlns:thm15="http://schemas.microsoft.com/office/thememl/2012/main" name="Office Theme" id="{62F939B6-93AF-4DB8-9C6B-D6C7DFDC589F}" vid="{4A3C46E8-61CC-4603-A589-7422A47A8E4A}"/>
@@ -16581,8 +16577,6 @@
       </a:bgFillStyleLst>
     </a:fmtScheme>
   </a:themeElements>
-  <a:objectDefaults/>
-  <a:extraClrSchemeLst/>
   <a:extLst>
     <a:ext uri="{05A4C25C-085E-4340-85A3-A5531E510DB2}">
       <thm15:themeFamily xmlns:thm15="http://schemas.microsoft.com/office/thememl/2012/main" name="Office Theme" id="{62F939B6-93AF-4DB8-9C6B-D6C7DFDC589F}" vid="{4A3C46E8-61CC-4603-A589-7422A47A8E4A}"/>
